--- a/2021F/21F智能送药小车.pptx
+++ b/2021F/21F智能送药小车.pptx
@@ -221,7 +221,7 @@
           <a:p>
             <a:fld id="{810479E0-D3ED-462C-868C-C8701929A02C}" type="datetimeFigureOut">
               <a:rPr lang="zh-CN" altLang="en-US" smtClean="0"/>
-              <a:t>2025/7/3</a:t>
+              <a:t>2025/7/4</a:t>
             </a:fld>
             <a:endParaRPr lang="zh-CN" altLang="en-US"/>
           </a:p>
@@ -572,6 +572,90 @@
 </p:notes>
 </file>
 
+<file path=ppt/notesSlides/notesSlide2.xml><?xml version="1.0" encoding="utf-8"?>
+<p:notes xmlns:a="http://schemas.openxmlformats.org/drawingml/2006/main" xmlns:r="http://schemas.openxmlformats.org/officeDocument/2006/relationships" xmlns:p="http://schemas.openxmlformats.org/presentationml/2006/main">
+  <p:cSld>
+    <p:spTree>
+      <p:nvGrpSpPr>
+        <p:cNvPr id="1" name=""/>
+        <p:cNvGrpSpPr/>
+        <p:nvPr/>
+      </p:nvGrpSpPr>
+      <p:grpSpPr>
+        <a:xfrm>
+          <a:off x="0" y="0"/>
+          <a:ext cx="0" cy="0"/>
+          <a:chOff x="0" y="0"/>
+          <a:chExt cx="0" cy="0"/>
+        </a:xfrm>
+      </p:grpSpPr>
+      <p:sp>
+        <p:nvSpPr>
+          <p:cNvPr id="2" name="幻灯片图像占位符 1"/>
+          <p:cNvSpPr>
+            <a:spLocks noGrp="1" noRot="1" noChangeAspect="1"/>
+          </p:cNvSpPr>
+          <p:nvPr>
+            <p:ph type="sldImg"/>
+          </p:nvPr>
+        </p:nvSpPr>
+        <p:spPr/>
+      </p:sp>
+      <p:sp>
+        <p:nvSpPr>
+          <p:cNvPr id="3" name="备注占位符 2"/>
+          <p:cNvSpPr>
+            <a:spLocks noGrp="1"/>
+          </p:cNvSpPr>
+          <p:nvPr>
+            <p:ph type="body" idx="1"/>
+          </p:nvPr>
+        </p:nvSpPr>
+        <p:spPr/>
+        <p:txBody>
+          <a:bodyPr/>
+          <a:lstStyle/>
+          <a:p>
+            <a:endParaRPr lang="zh-CN" altLang="en-US" dirty="0"/>
+          </a:p>
+        </p:txBody>
+      </p:sp>
+      <p:sp>
+        <p:nvSpPr>
+          <p:cNvPr id="4" name="灯片编号占位符 3"/>
+          <p:cNvSpPr>
+            <a:spLocks noGrp="1"/>
+          </p:cNvSpPr>
+          <p:nvPr>
+            <p:ph type="sldNum" sz="quarter" idx="5"/>
+          </p:nvPr>
+        </p:nvSpPr>
+        <p:spPr/>
+        <p:txBody>
+          <a:bodyPr/>
+          <a:lstStyle/>
+          <a:p>
+            <a:fld id="{C5A7E6CE-4FDE-48FF-B6E4-AC24EEA28049}" type="slidenum">
+              <a:rPr lang="zh-CN" altLang="en-US" smtClean="0"/>
+              <a:t>2</a:t>
+            </a:fld>
+            <a:endParaRPr lang="zh-CN" altLang="en-US"/>
+          </a:p>
+        </p:txBody>
+      </p:sp>
+    </p:spTree>
+    <p:extLst>
+      <p:ext uri="{BB962C8B-B14F-4D97-AF65-F5344CB8AC3E}">
+        <p14:creationId xmlns:p14="http://schemas.microsoft.com/office/powerpoint/2010/main" val="833886622"/>
+      </p:ext>
+    </p:extLst>
+  </p:cSld>
+  <p:clrMapOvr>
+    <a:masterClrMapping/>
+  </p:clrMapOvr>
+</p:notes>
+</file>
+
 <file path=ppt/slideLayouts/slideLayout1.xml><?xml version="1.0" encoding="utf-8"?>
 <p:sldLayout xmlns:a="http://schemas.openxmlformats.org/drawingml/2006/main" xmlns:r="http://schemas.openxmlformats.org/officeDocument/2006/relationships" xmlns:p="http://schemas.openxmlformats.org/presentationml/2006/main" type="title" preserve="1">
   <p:cSld name="标题幻灯片">
@@ -719,7 +803,7 @@
           <a:p>
             <a:fld id="{ED4E870B-EAFC-4989-BF72-060659D73B46}" type="datetimeFigureOut">
               <a:rPr lang="zh-CN" altLang="en-US" smtClean="0"/>
-              <a:t>2025/7/3</a:t>
+              <a:t>2025/7/4</a:t>
             </a:fld>
             <a:endParaRPr lang="zh-CN" altLang="en-US"/>
           </a:p>
@@ -917,7 +1001,7 @@
           <a:p>
             <a:fld id="{ED4E870B-EAFC-4989-BF72-060659D73B46}" type="datetimeFigureOut">
               <a:rPr lang="zh-CN" altLang="en-US" smtClean="0"/>
-              <a:t>2025/7/3</a:t>
+              <a:t>2025/7/4</a:t>
             </a:fld>
             <a:endParaRPr lang="zh-CN" altLang="en-US"/>
           </a:p>
@@ -1125,7 +1209,7 @@
           <a:p>
             <a:fld id="{ED4E870B-EAFC-4989-BF72-060659D73B46}" type="datetimeFigureOut">
               <a:rPr lang="zh-CN" altLang="en-US" smtClean="0"/>
-              <a:t>2025/7/3</a:t>
+              <a:t>2025/7/4</a:t>
             </a:fld>
             <a:endParaRPr lang="zh-CN" altLang="en-US"/>
           </a:p>
@@ -4245,7 +4329,7 @@
           <a:p>
             <a:fld id="{ED4E870B-EAFC-4989-BF72-060659D73B46}" type="datetimeFigureOut">
               <a:rPr lang="zh-CN" altLang="en-US" smtClean="0"/>
-              <a:t>2025/7/3</a:t>
+              <a:t>2025/7/4</a:t>
             </a:fld>
             <a:endParaRPr lang="zh-CN" altLang="en-US"/>
           </a:p>
@@ -5872,7 +5956,7 @@
           <a:p>
             <a:fld id="{ED4E870B-EAFC-4989-BF72-060659D73B46}" type="datetimeFigureOut">
               <a:rPr lang="zh-CN" altLang="en-US" smtClean="0"/>
-              <a:t>2025/7/3</a:t>
+              <a:t>2025/7/4</a:t>
             </a:fld>
             <a:endParaRPr lang="zh-CN" altLang="en-US"/>
           </a:p>
@@ -6137,7 +6221,7 @@
           <a:p>
             <a:fld id="{ED4E870B-EAFC-4989-BF72-060659D73B46}" type="datetimeFigureOut">
               <a:rPr lang="zh-CN" altLang="en-US" smtClean="0"/>
-              <a:t>2025/7/3</a:t>
+              <a:t>2025/7/4</a:t>
             </a:fld>
             <a:endParaRPr lang="zh-CN" altLang="en-US"/>
           </a:p>
@@ -6549,7 +6633,7 @@
           <a:p>
             <a:fld id="{ED4E870B-EAFC-4989-BF72-060659D73B46}" type="datetimeFigureOut">
               <a:rPr lang="zh-CN" altLang="en-US" smtClean="0"/>
-              <a:t>2025/7/3</a:t>
+              <a:t>2025/7/4</a:t>
             </a:fld>
             <a:endParaRPr lang="zh-CN" altLang="en-US"/>
           </a:p>
@@ -6690,7 +6774,7 @@
           <a:p>
             <a:fld id="{ED4E870B-EAFC-4989-BF72-060659D73B46}" type="datetimeFigureOut">
               <a:rPr lang="zh-CN" altLang="en-US" smtClean="0"/>
-              <a:t>2025/7/3</a:t>
+              <a:t>2025/7/4</a:t>
             </a:fld>
             <a:endParaRPr lang="zh-CN" altLang="en-US"/>
           </a:p>
@@ -6803,7 +6887,7 @@
           <a:p>
             <a:fld id="{ED4E870B-EAFC-4989-BF72-060659D73B46}" type="datetimeFigureOut">
               <a:rPr lang="zh-CN" altLang="en-US" smtClean="0"/>
-              <a:t>2025/7/3</a:t>
+              <a:t>2025/7/4</a:t>
             </a:fld>
             <a:endParaRPr lang="zh-CN" altLang="en-US"/>
           </a:p>
@@ -7114,7 +7198,7 @@
           <a:p>
             <a:fld id="{ED4E870B-EAFC-4989-BF72-060659D73B46}" type="datetimeFigureOut">
               <a:rPr lang="zh-CN" altLang="en-US" smtClean="0"/>
-              <a:t>2025/7/3</a:t>
+              <a:t>2025/7/4</a:t>
             </a:fld>
             <a:endParaRPr lang="zh-CN" altLang="en-US"/>
           </a:p>
@@ -7402,7 +7486,7 @@
           <a:p>
             <a:fld id="{ED4E870B-EAFC-4989-BF72-060659D73B46}" type="datetimeFigureOut">
               <a:rPr lang="zh-CN" altLang="en-US" smtClean="0"/>
-              <a:t>2025/7/3</a:t>
+              <a:t>2025/7/4</a:t>
             </a:fld>
             <a:endParaRPr lang="zh-CN" altLang="en-US"/>
           </a:p>
@@ -7643,7 +7727,7 @@
           <a:p>
             <a:fld id="{ED4E870B-EAFC-4989-BF72-060659D73B46}" type="datetimeFigureOut">
               <a:rPr lang="zh-CN" altLang="en-US" smtClean="0"/>
-              <a:t>2025/7/3</a:t>
+              <a:t>2025/7/4</a:t>
             </a:fld>
             <a:endParaRPr lang="zh-CN" altLang="en-US"/>
           </a:p>
@@ -9006,7 +9090,7 @@
                           <a:tabLst/>
                           <a:defRPr/>
                         </a:pPr>
-                        <a:t>2025年7月3日</a:t>
+                        <a:t>2025年7月4日</a:t>
                       </a:fld>
                       <a:endParaRPr lang="zh-CN" altLang="en-US" sz="2400" b="1" kern="1200" dirty="0">
                         <a:solidFill>
@@ -10856,7 +10940,7 @@
                           <a:tabLst/>
                           <a:defRPr/>
                         </a:pPr>
-                        <a:t>2025年7月3日</a:t>
+                        <a:t>2025年7月4日</a:t>
                       </a:fld>
                       <a:endParaRPr lang="zh-CN" altLang="en-US" sz="2400" b="1" kern="1200" dirty="0">
                         <a:solidFill>
@@ -11194,7 +11278,7 @@
           <p:nvPr/>
         </p:nvPicPr>
         <p:blipFill>
-          <a:blip r:embed="rId2"/>
+          <a:blip r:embed="rId3"/>
           <a:stretch>
             <a:fillRect/>
           </a:stretch>
@@ -11224,7 +11308,7 @@
           <p:nvPr/>
         </p:nvPicPr>
         <p:blipFill>
-          <a:blip r:embed="rId3"/>
+          <a:blip r:embed="rId4"/>
           <a:stretch>
             <a:fillRect/>
           </a:stretch>
